--- a/test-wide-layout.pptx
+++ b/test-wide-layout.pptx
@@ -7,7 +7,7 @@
   <p:sldIdLst>
     <p:sldId id="256" r:id="rId6"/>
   </p:sldIdLst>
-  <p:sldSz cx="24384000" cy="13716000"/>
+  <p:sldSz cx="24384000" cy="25400000"/>
   <p:notesSz cx="6858000" cy="9144000"/>
   <p:defaultTextStyle>
     <a:defPPr>
@@ -3069,7 +3069,7 @@
         </p:nvSpPr>
         <p:spPr>
           <a:xfrm rot="9900295">
-            <a:off x="4954643" y="4114800"/>
+            <a:off x="4954643" y="3479800"/>
             <a:ext cx="7362715" cy="25400"/>
           </a:xfrm>
           <a:prstGeom prst="rect">
@@ -3093,7 +3093,7 @@
         </p:nvSpPr>
         <p:spPr>
           <a:xfrm rot="9109284">
-            <a:off x="8396938" y="4114800"/>
+            <a:off x="8396938" y="3479800"/>
             <a:ext cx="4034125" cy="25400"/>
           </a:xfrm>
           <a:prstGeom prst="rect">
@@ -3117,7 +3117,7 @@
         </p:nvSpPr>
         <p:spPr>
           <a:xfrm rot="5400000">
-            <a:off x="11239500" y="4114800"/>
+            <a:off x="11239500" y="3479800"/>
             <a:ext cx="1905000" cy="25400"/>
           </a:xfrm>
           <a:prstGeom prst="rect">
@@ -3141,7 +3141,7 @@
         </p:nvSpPr>
         <p:spPr>
           <a:xfrm rot="1690715">
-            <a:off x="11952938" y="4114800"/>
+            <a:off x="11952938" y="3479800"/>
             <a:ext cx="4034125" cy="25400"/>
           </a:xfrm>
           <a:prstGeom prst="rect">
@@ -3165,7 +3165,7 @@
         </p:nvSpPr>
         <p:spPr>
           <a:xfrm rot="899704">
-            <a:off x="12066643" y="4114800"/>
+            <a:off x="12066643" y="3479800"/>
             <a:ext cx="7362715" cy="25400"/>
           </a:xfrm>
           <a:prstGeom prst="rect">
@@ -3188,9 +3188,9 @@
           <p:nvPr/>
         </p:nvSpPr>
         <p:spPr>
-          <a:xfrm rot="5400000">
-            <a:off x="4127500" y="7289800"/>
-            <a:ext cx="1905000" cy="25400"/>
+          <a:xfrm rot="3898986">
+            <a:off x="3866776" y="7607300"/>
+            <a:ext cx="4204448" cy="25400"/>
           </a:xfrm>
           <a:prstGeom prst="rect">
             <a:avLst/>
@@ -3212,9 +3212,9 @@
           <p:nvPr/>
         </p:nvSpPr>
         <p:spPr>
-          <a:xfrm rot="5400000">
-            <a:off x="7683500" y="7289800"/>
-            <a:ext cx="1905000" cy="25400"/>
+          <a:xfrm rot="3898986">
+            <a:off x="7422776" y="7607300"/>
+            <a:ext cx="4204448" cy="25400"/>
           </a:xfrm>
           <a:prstGeom prst="rect">
             <a:avLst/>
@@ -3236,9 +3236,9 @@
           <p:nvPr/>
         </p:nvSpPr>
         <p:spPr>
-          <a:xfrm rot="5400000">
-            <a:off x="11239500" y="7289800"/>
-            <a:ext cx="1905000" cy="25400"/>
+          <a:xfrm rot="3898986">
+            <a:off x="10978776" y="7607300"/>
+            <a:ext cx="4204448" cy="25400"/>
           </a:xfrm>
           <a:prstGeom prst="rect">
             <a:avLst/>
@@ -3260,9 +3260,9 @@
           <p:nvPr/>
         </p:nvSpPr>
         <p:spPr>
-          <a:xfrm rot="5400000">
-            <a:off x="14795500" y="7289800"/>
-            <a:ext cx="1905000" cy="25400"/>
+          <a:xfrm rot="3898986">
+            <a:off x="14534776" y="7607300"/>
+            <a:ext cx="4204448" cy="25400"/>
           </a:xfrm>
           <a:prstGeom prst="rect">
             <a:avLst/>
@@ -3284,9 +3284,9 @@
           <p:nvPr/>
         </p:nvSpPr>
         <p:spPr>
-          <a:xfrm rot="5400000">
-            <a:off x="18351500" y="7289800"/>
-            <a:ext cx="1905000" cy="25400"/>
+          <a:xfrm rot="10493870">
+            <a:off x="12177854" y="6019800"/>
+            <a:ext cx="7140292" cy="25400"/>
           </a:xfrm>
           <a:prstGeom prst="rect">
             <a:avLst/>
@@ -3309,7 +3309,7 @@
         </p:nvSpPr>
         <p:spPr>
           <a:xfrm>
-            <a:off x="10871200" y="1981200"/>
+            <a:off x="10871200" y="1346200"/>
             <a:ext cx="2794000" cy="1270000"/>
           </a:xfrm>
           <a:prstGeom prst="roundRect">
@@ -3333,7 +3333,7 @@
         </p:nvSpPr>
         <p:spPr>
           <a:xfrm>
-            <a:off x="3759200" y="5156200"/>
+            <a:off x="3759200" y="4521200"/>
             <a:ext cx="2794000" cy="1270000"/>
           </a:xfrm>
           <a:prstGeom prst="roundRect">
@@ -3357,7 +3357,7 @@
         </p:nvSpPr>
         <p:spPr>
           <a:xfrm>
-            <a:off x="7315200" y="5156200"/>
+            <a:off x="7315200" y="4521200"/>
             <a:ext cx="2794000" cy="1270000"/>
           </a:xfrm>
           <a:prstGeom prst="roundRect">
@@ -3381,7 +3381,7 @@
         </p:nvSpPr>
         <p:spPr>
           <a:xfrm>
-            <a:off x="10871200" y="5156200"/>
+            <a:off x="10871200" y="4521200"/>
             <a:ext cx="2794000" cy="1270000"/>
           </a:xfrm>
           <a:prstGeom prst="roundRect">
@@ -3405,7 +3405,7 @@
         </p:nvSpPr>
         <p:spPr>
           <a:xfrm>
-            <a:off x="14427200" y="5156200"/>
+            <a:off x="14427200" y="4521200"/>
             <a:ext cx="2794000" cy="1270000"/>
           </a:xfrm>
           <a:prstGeom prst="roundRect">
@@ -3429,7 +3429,7 @@
         </p:nvSpPr>
         <p:spPr>
           <a:xfrm>
-            <a:off x="17983200" y="5156200"/>
+            <a:off x="17983200" y="4521200"/>
             <a:ext cx="2794000" cy="1270000"/>
           </a:xfrm>
           <a:prstGeom prst="roundRect">
@@ -3453,10 +3453,10 @@
         </p:nvSpPr>
         <p:spPr>
           <a:xfrm>
-            <a:off x="3759200" y="8331200"/>
+            <a:off x="10871200" y="6426200"/>
             <a:ext cx="2794000" cy="1270000"/>
           </a:xfrm>
-          <a:prstGeom prst="flowChartMagneticDisk">
+          <a:prstGeom prst="roundRect">
             <a:avLst/>
           </a:prstGeom>
           <a:solidFill>
@@ -3477,7 +3477,7 @@
         </p:nvSpPr>
         <p:spPr>
           <a:xfrm>
-            <a:off x="7315200" y="8331200"/>
+            <a:off x="5537200" y="9601200"/>
             <a:ext cx="2794000" cy="1270000"/>
           </a:xfrm>
           <a:prstGeom prst="flowChartMagneticDisk">
@@ -3501,7 +3501,7 @@
         </p:nvSpPr>
         <p:spPr>
           <a:xfrm>
-            <a:off x="10871200" y="8331200"/>
+            <a:off x="9093200" y="9601200"/>
             <a:ext cx="2794000" cy="1270000"/>
           </a:xfrm>
           <a:prstGeom prst="flowChartMagneticDisk">
@@ -3525,7 +3525,7 @@
         </p:nvSpPr>
         <p:spPr>
           <a:xfrm>
-            <a:off x="14427200" y="8331200"/>
+            <a:off x="12649200" y="9601200"/>
             <a:ext cx="2794000" cy="1270000"/>
           </a:xfrm>
           <a:prstGeom prst="flowChartMagneticDisk">
@@ -3549,7 +3549,7 @@
         </p:nvSpPr>
         <p:spPr>
           <a:xfrm>
-            <a:off x="17983200" y="8331200"/>
+            <a:off x="16205200" y="9601200"/>
             <a:ext cx="2794000" cy="1270000"/>
           </a:xfrm>
           <a:prstGeom prst="flowChartMagneticDisk">
@@ -3573,7 +3573,7 @@
         </p:nvSpPr>
         <p:spPr>
           <a:xfrm>
-            <a:off x="10795000" y="1905000"/>
+            <a:off x="10795000" y="1270000"/>
             <a:ext cx="2794000" cy="1270000"/>
           </a:xfrm>
           <a:prstGeom prst="roundRect">
@@ -3626,7 +3626,7 @@
         </p:nvSpPr>
         <p:spPr>
           <a:xfrm>
-            <a:off x="3683000" y="5080000"/>
+            <a:off x="3683000" y="4445000"/>
             <a:ext cx="2794000" cy="1270000"/>
           </a:xfrm>
           <a:prstGeom prst="roundRect">
@@ -3679,7 +3679,7 @@
         </p:nvSpPr>
         <p:spPr>
           <a:xfrm>
-            <a:off x="7239000" y="5080000"/>
+            <a:off x="7239000" y="4445000"/>
             <a:ext cx="2794000" cy="1270000"/>
           </a:xfrm>
           <a:prstGeom prst="roundRect">
@@ -3732,7 +3732,7 @@
         </p:nvSpPr>
         <p:spPr>
           <a:xfrm>
-            <a:off x="10795000" y="5080000"/>
+            <a:off x="10795000" y="4445000"/>
             <a:ext cx="2794000" cy="1270000"/>
           </a:xfrm>
           <a:prstGeom prst="roundRect">
@@ -3785,7 +3785,7 @@
         </p:nvSpPr>
         <p:spPr>
           <a:xfrm>
-            <a:off x="14351000" y="5080000"/>
+            <a:off x="14351000" y="4445000"/>
             <a:ext cx="2794000" cy="1270000"/>
           </a:xfrm>
           <a:prstGeom prst="roundRect">
@@ -3838,7 +3838,7 @@
         </p:nvSpPr>
         <p:spPr>
           <a:xfrm>
-            <a:off x="17907000" y="5080000"/>
+            <a:off x="17907000" y="4445000"/>
             <a:ext cx="2794000" cy="1270000"/>
           </a:xfrm>
           <a:prstGeom prst="roundRect">
@@ -3891,7 +3891,7 @@
         </p:nvSpPr>
         <p:spPr>
           <a:xfrm>
-            <a:off x="3683000" y="8255000"/>
+            <a:off x="10795000" y="6350000"/>
             <a:ext cx="2794000" cy="1270000"/>
           </a:xfrm>
           <a:prstGeom prst="flowChartMagneticDisk">
@@ -3921,6 +3921,59 @@
                   <a:srgbClr val="FFFFFF"/>
                 </a:solidFill>
               </a:rPr>
+              <a:t>hadoop</a:t>
+            </a:r>
+            <a:r>
+              <a:rPr lang="en-US" sz="1100" i="true">
+                <a:solidFill>
+                  <a:srgbClr val="F0F0F0"/>
+                </a:solidFill>
+              </a:rPr>
+              <a:t>
+hadoop</a:t>
+            </a:r>
+            <a:endParaRPr lang="en-US" sz="1100"/>
+          </a:p>
+        </p:txBody>
+      </p:sp>
+      <p:sp>
+        <p:nvSpPr>
+          <p:cNvPr name="AutoShape 30" id="30"/>
+          <p:cNvSpPr/>
+          <p:nvPr/>
+        </p:nvSpPr>
+        <p:spPr>
+          <a:xfrm>
+            <a:off x="5461000" y="9525000"/>
+            <a:ext cx="2794000" cy="1270000"/>
+          </a:xfrm>
+          <a:prstGeom prst="flowChartMagneticDisk">
+            <a:avLst/>
+          </a:prstGeom>
+          <a:solidFill>
+            <a:srgbClr val="EA580C"/>
+          </a:solidFill>
+          <a:ln w="12700">
+            <a:solidFill>
+              <a:srgbClr val="FFFFFF">
+                <a:alpha val="39216"/>
+              </a:srgbClr>
+            </a:solidFill>
+          </a:ln>
+        </p:spPr>
+        <p:txBody>
+          <a:bodyPr anchor="t" rtlCol="false"/>
+          <a:lstStyle/>
+          <a:p>
+            <a:pPr algn="ctr">
+              <a:defRPr/>
+            </a:pPr>
+            <a:r>
+              <a:rPr lang="en-US" sz="1600" b="true">
+                <a:solidFill>
+                  <a:srgbClr val="FFFFFF"/>
+                </a:solidFill>
+              </a:rPr>
               <a:t>users-db</a:t>
             </a:r>
             <a:r>
@@ -3938,13 +3991,13 @@
       </p:sp>
       <p:sp>
         <p:nvSpPr>
-          <p:cNvPr name="AutoShape 30" id="30"/>
+          <p:cNvPr name="AutoShape 31" id="31"/>
           <p:cNvSpPr/>
           <p:nvPr/>
         </p:nvSpPr>
         <p:spPr>
           <a:xfrm>
-            <a:off x="7239000" y="8255000"/>
+            <a:off x="9017000" y="9525000"/>
             <a:ext cx="2794000" cy="1270000"/>
           </a:xfrm>
           <a:prstGeom prst="flowChartMagneticDisk">
@@ -3991,13 +4044,13 @@
       </p:sp>
       <p:sp>
         <p:nvSpPr>
-          <p:cNvPr name="AutoShape 31" id="31"/>
+          <p:cNvPr name="AutoShape 32" id="32"/>
           <p:cNvSpPr/>
           <p:nvPr/>
         </p:nvSpPr>
         <p:spPr>
           <a:xfrm>
-            <a:off x="10795000" y="8255000"/>
+            <a:off x="12573000" y="9525000"/>
             <a:ext cx="2794000" cy="1270000"/>
           </a:xfrm>
           <a:prstGeom prst="flowChartMagneticDisk">
@@ -4044,13 +4097,13 @@
       </p:sp>
       <p:sp>
         <p:nvSpPr>
-          <p:cNvPr name="AutoShape 32" id="32"/>
+          <p:cNvPr name="AutoShape 33" id="33"/>
           <p:cNvSpPr/>
           <p:nvPr/>
         </p:nvSpPr>
         <p:spPr>
           <a:xfrm>
-            <a:off x="14351000" y="8255000"/>
+            <a:off x="16129000" y="9525000"/>
             <a:ext cx="2794000" cy="1270000"/>
           </a:xfrm>
           <a:prstGeom prst="flowChartMagneticDisk">
@@ -4090,59 +4143,6 @@
               </a:rPr>
               <a:t>
 kafka</a:t>
-            </a:r>
-            <a:endParaRPr lang="en-US" sz="1100"/>
-          </a:p>
-        </p:txBody>
-      </p:sp>
-      <p:sp>
-        <p:nvSpPr>
-          <p:cNvPr name="AutoShape 33" id="33"/>
-          <p:cNvSpPr/>
-          <p:nvPr/>
-        </p:nvSpPr>
-        <p:spPr>
-          <a:xfrm>
-            <a:off x="17907000" y="8255000"/>
-            <a:ext cx="2794000" cy="1270000"/>
-          </a:xfrm>
-          <a:prstGeom prst="flowChartMagneticDisk">
-            <a:avLst/>
-          </a:prstGeom>
-          <a:solidFill>
-            <a:srgbClr val="EA580C"/>
-          </a:solidFill>
-          <a:ln w="12700">
-            <a:solidFill>
-              <a:srgbClr val="FFFFFF">
-                <a:alpha val="39216"/>
-              </a:srgbClr>
-            </a:solidFill>
-          </a:ln>
-        </p:spPr>
-        <p:txBody>
-          <a:bodyPr anchor="t" rtlCol="false"/>
-          <a:lstStyle/>
-          <a:p>
-            <a:pPr algn="ctr">
-              <a:defRPr/>
-            </a:pPr>
-            <a:r>
-              <a:rPr lang="en-US" sz="1600" b="true">
-                <a:solidFill>
-                  <a:srgbClr val="FFFFFF"/>
-                </a:solidFill>
-              </a:rPr>
-              <a:t>hadoop</a:t>
-            </a:r>
-            <a:r>
-              <a:rPr lang="en-US" sz="1100" i="true">
-                <a:solidFill>
-                  <a:srgbClr val="F0F0F0"/>
-                </a:solidFill>
-              </a:rPr>
-              <a:t>
-hadoop</a:t>
             </a:r>
             <a:endParaRPr lang="en-US" sz="1100"/>
           </a:p>
